--- a/presentations/intro.pptx
+++ b/presentations/intro.pptx
@@ -274,7 +274,7 @@
           <a:p>
             <a:fld id="{0845A0EE-0FD0-4C64-BFDC-FB2CB5E2567B}" type="datetimeFigureOut">
               <a:rPr lang="en-US" smtClean="0"/>
-              <a:t>9/30/2021</a:t>
+              <a:t>3/15/22</a:t>
             </a:fld>
             <a:endParaRPr lang="en-US"/>
           </a:p>
@@ -472,7 +472,7 @@
           <a:p>
             <a:fld id="{0845A0EE-0FD0-4C64-BFDC-FB2CB5E2567B}" type="datetimeFigureOut">
               <a:rPr lang="en-US" smtClean="0"/>
-              <a:t>9/30/2021</a:t>
+              <a:t>3/15/22</a:t>
             </a:fld>
             <a:endParaRPr lang="en-US"/>
           </a:p>
@@ -680,7 +680,7 @@
           <a:p>
             <a:fld id="{0845A0EE-0FD0-4C64-BFDC-FB2CB5E2567B}" type="datetimeFigureOut">
               <a:rPr lang="en-US" smtClean="0"/>
-              <a:t>9/30/2021</a:t>
+              <a:t>3/15/22</a:t>
             </a:fld>
             <a:endParaRPr lang="en-US"/>
           </a:p>
@@ -878,7 +878,7 @@
           <a:p>
             <a:fld id="{0845A0EE-0FD0-4C64-BFDC-FB2CB5E2567B}" type="datetimeFigureOut">
               <a:rPr lang="en-US" smtClean="0"/>
-              <a:t>9/30/2021</a:t>
+              <a:t>3/15/22</a:t>
             </a:fld>
             <a:endParaRPr lang="en-US"/>
           </a:p>
@@ -1153,7 +1153,7 @@
           <a:p>
             <a:fld id="{0845A0EE-0FD0-4C64-BFDC-FB2CB5E2567B}" type="datetimeFigureOut">
               <a:rPr lang="en-US" smtClean="0"/>
-              <a:t>9/30/2021</a:t>
+              <a:t>3/15/22</a:t>
             </a:fld>
             <a:endParaRPr lang="en-US"/>
           </a:p>
@@ -1418,7 +1418,7 @@
           <a:p>
             <a:fld id="{0845A0EE-0FD0-4C64-BFDC-FB2CB5E2567B}" type="datetimeFigureOut">
               <a:rPr lang="en-US" smtClean="0"/>
-              <a:t>9/30/2021</a:t>
+              <a:t>3/15/22</a:t>
             </a:fld>
             <a:endParaRPr lang="en-US"/>
           </a:p>
@@ -1830,7 +1830,7 @@
           <a:p>
             <a:fld id="{0845A0EE-0FD0-4C64-BFDC-FB2CB5E2567B}" type="datetimeFigureOut">
               <a:rPr lang="en-US" smtClean="0"/>
-              <a:t>9/30/2021</a:t>
+              <a:t>3/15/22</a:t>
             </a:fld>
             <a:endParaRPr lang="en-US"/>
           </a:p>
@@ -1971,7 +1971,7 @@
           <a:p>
             <a:fld id="{0845A0EE-0FD0-4C64-BFDC-FB2CB5E2567B}" type="datetimeFigureOut">
               <a:rPr lang="en-US" smtClean="0"/>
-              <a:t>9/30/2021</a:t>
+              <a:t>3/15/22</a:t>
             </a:fld>
             <a:endParaRPr lang="en-US"/>
           </a:p>
@@ -2084,7 +2084,7 @@
           <a:p>
             <a:fld id="{0845A0EE-0FD0-4C64-BFDC-FB2CB5E2567B}" type="datetimeFigureOut">
               <a:rPr lang="en-US" smtClean="0"/>
-              <a:t>9/30/2021</a:t>
+              <a:t>3/15/22</a:t>
             </a:fld>
             <a:endParaRPr lang="en-US"/>
           </a:p>
@@ -2395,7 +2395,7 @@
           <a:p>
             <a:fld id="{0845A0EE-0FD0-4C64-BFDC-FB2CB5E2567B}" type="datetimeFigureOut">
               <a:rPr lang="en-US" smtClean="0"/>
-              <a:t>9/30/2021</a:t>
+              <a:t>3/15/22</a:t>
             </a:fld>
             <a:endParaRPr lang="en-US"/>
           </a:p>
@@ -2683,7 +2683,7 @@
           <a:p>
             <a:fld id="{0845A0EE-0FD0-4C64-BFDC-FB2CB5E2567B}" type="datetimeFigureOut">
               <a:rPr lang="en-US" smtClean="0"/>
-              <a:t>9/30/2021</a:t>
+              <a:t>3/15/22</a:t>
             </a:fld>
             <a:endParaRPr lang="en-US"/>
           </a:p>
@@ -2924,7 +2924,7 @@
           <a:p>
             <a:fld id="{0845A0EE-0FD0-4C64-BFDC-FB2CB5E2567B}" type="datetimeFigureOut">
               <a:rPr lang="en-US" smtClean="0"/>
-              <a:t>9/30/2021</a:t>
+              <a:t>3/15/22</a:t>
             </a:fld>
             <a:endParaRPr lang="en-US"/>
           </a:p>
@@ -3448,7 +3448,7 @@
               <a:rPr lang="en-US" sz="2400" dirty="0">
                 <a:latin typeface="Montserrat" panose="00000500000000000000" pitchFamily="2" charset="-52"/>
               </a:rPr>
-              <a:t>sber219.fmin.xyz</a:t>
+              <a:t>sber223.fmin.xyz</a:t>
             </a:r>
           </a:p>
         </p:txBody>
@@ -3643,15 +3643,31 @@
             </a:pPr>
             <a:r>
               <a:rPr lang="ru-RU" dirty="0"/>
-              <a:t>Занятия 2 раза в неделю ПН </a:t>
+              <a:t>Занятия 2 раза в неделю ВТ </a:t>
             </a:r>
             <a:r>
               <a:rPr lang="en-US" dirty="0"/>
-              <a:t>14.00 – 17.00 </a:t>
+              <a:t>1</a:t>
             </a:r>
             <a:r>
               <a:rPr lang="ru-RU" dirty="0"/>
-              <a:t>и СР 18.30 - 21.30</a:t>
+              <a:t>7</a:t>
+            </a:r>
+            <a:r>
+              <a:rPr lang="en-US" dirty="0"/>
+              <a:t>.00 – </a:t>
+            </a:r>
+            <a:r>
+              <a:rPr lang="ru-RU" dirty="0"/>
+              <a:t>20</a:t>
+            </a:r>
+            <a:r>
+              <a:rPr lang="en-US" dirty="0"/>
+              <a:t>.00 </a:t>
+            </a:r>
+            <a:r>
+              <a:rPr lang="ru-RU" dirty="0"/>
+              <a:t>и ПТ 15.00 - 18.00</a:t>
             </a:r>
           </a:p>
           <a:p>
@@ -3670,14 +3686,14 @@
             </a:r>
             <a:r>
               <a:rPr lang="ru-RU" dirty="0"/>
-              <a:t>из трех </a:t>
+              <a:t>из двух - трех </a:t>
             </a:r>
             <a:br>
               <a:rPr lang="ru-RU" dirty="0"/>
             </a:br>
             <a:r>
               <a:rPr lang="ru-RU" dirty="0"/>
-              <a:t>практикумов по одному часу</a:t>
+              <a:t>практикумов.</a:t>
             </a:r>
             <a:br>
               <a:rPr lang="ru-RU" dirty="0"/>
@@ -3718,7 +3734,21 @@
                 <a:latin typeface="Montserrat" panose="00000500000000000000" pitchFamily="2" charset="-52"/>
                 <a:hlinkClick r:id="rId2"/>
               </a:rPr>
-              <a:t>https://sber219.fmin.xyz/</a:t>
+              <a:t>https://sber2</a:t>
+            </a:r>
+            <a:r>
+              <a:rPr lang="ru-RU" sz="2800" dirty="0">
+                <a:latin typeface="Montserrat" panose="00000500000000000000" pitchFamily="2" charset="-52"/>
+                <a:hlinkClick r:id="rId2"/>
+              </a:rPr>
+              <a:t>23</a:t>
+            </a:r>
+            <a:r>
+              <a:rPr lang="en-US" sz="2800" dirty="0">
+                <a:latin typeface="Montserrat" panose="00000500000000000000" pitchFamily="2" charset="-52"/>
+                <a:hlinkClick r:id="rId2"/>
+              </a:rPr>
+              <a:t>.fmin.xyz/</a:t>
             </a:r>
             <a:endParaRPr lang="ru-RU" dirty="0"/>
           </a:p>
@@ -3784,10 +3814,10 @@
         </p:nvGrpSpPr>
         <p:grpSpPr>
           <a:xfrm>
-            <a:off x="6385352" y="2578141"/>
-            <a:ext cx="4208508" cy="910626"/>
+            <a:off x="7310517" y="2578141"/>
+            <a:ext cx="4383044" cy="910626"/>
             <a:chOff x="7604553" y="1627916"/>
-            <a:chExt cx="4208508" cy="910626"/>
+            <a:chExt cx="4383044" cy="910626"/>
           </a:xfrm>
         </p:grpSpPr>
         <p:sp>
@@ -3961,7 +3991,7 @@
                   </a:effectLst>
                   <a:latin typeface="Montserrat" panose="00000500000000000000" pitchFamily="2" charset="-52"/>
                 </a:rPr>
-                <a:t>25-30 мин</a:t>
+                <a:t>25-45 мин</a:t>
               </a:r>
               <a:endParaRPr lang="en-US" dirty="0">
                 <a:ln w="0">
@@ -4045,7 +4075,7 @@
                   </a:effectLst>
                   <a:latin typeface="Montserrat" panose="00000500000000000000" pitchFamily="2" charset="-52"/>
                 </a:rPr>
-                <a:t>25-30 мин</a:t>
+                <a:t>25-45 мин</a:t>
               </a:r>
               <a:endParaRPr lang="en-US" dirty="0">
                 <a:ln w="0">
@@ -4129,8 +4159,8 @@
           </p:nvSpPr>
           <p:spPr>
             <a:xfrm>
-              <a:off x="11210669" y="1923213"/>
-              <a:ext cx="602392" cy="320032"/>
+              <a:off x="11210668" y="1923213"/>
+              <a:ext cx="776929" cy="320032"/>
             </a:xfrm>
             <a:prstGeom prst="roundRect">
               <a:avLst/>
@@ -4178,7 +4208,7 @@
                   </a:effectLst>
                   <a:latin typeface="Montserrat" panose="00000500000000000000" pitchFamily="2" charset="-52"/>
                 </a:rPr>
-                <a:t>х3</a:t>
+                <a:t>Х 2-3</a:t>
               </a:r>
               <a:endParaRPr lang="en-US" dirty="0">
                 <a:ln w="0">
@@ -4215,7 +4245,7 @@
         </p:nvSpPr>
         <p:spPr>
           <a:xfrm>
-            <a:off x="6689122" y="3600275"/>
+            <a:off x="6258131" y="3733263"/>
             <a:ext cx="2916196" cy="359631"/>
           </a:xfrm>
           <a:prstGeom prst="roundRect">
@@ -4420,7 +4450,7 @@
             </a:r>
             <a:r>
               <a:rPr lang="ru-RU" dirty="0"/>
-              <a:t>сертификат отличия не менее двух задач по каждому практикуму.</a:t>
+              <a:t>сертификат отличия: не менее двух задач по каждому практикуму.</a:t>
             </a:r>
           </a:p>
         </p:txBody>
@@ -4500,17 +4530,23 @@
             <p:ph idx="1"/>
           </p:nvPr>
         </p:nvSpPr>
-        <p:spPr/>
+        <p:spPr>
+          <a:xfrm>
+            <a:off x="838200" y="1825625"/>
+            <a:ext cx="5257800" cy="1603375"/>
+          </a:xfrm>
+        </p:spPr>
         <p:txBody>
           <a:bodyPr>
-            <a:normAutofit fontScale="77500" lnSpcReduction="20000"/>
+            <a:normAutofit fontScale="62500" lnSpcReduction="20000"/>
           </a:bodyPr>
           <a:lstStyle/>
           <a:p>
-            <a:pPr>
+            <a:pPr marL="0" indent="0">
               <a:lnSpc>
                 <a:spcPct val="110000"/>
               </a:lnSpc>
+              <a:buNone/>
             </a:pPr>
             <a:r>
               <a:rPr lang="ru-RU" dirty="0"/>
@@ -4537,11 +4573,24 @@
             </a:br>
             <a:r>
               <a:rPr lang="en-US" dirty="0"/>
+              <a:t>🦄: </a:t>
+            </a:r>
+            <a:r>
+              <a:rPr lang="en-US" dirty="0" err="1">
+                <a:hlinkClick r:id="rId3"/>
+              </a:rPr>
+              <a:t>merkulov.top</a:t>
+            </a:r>
+            <a:br>
+              <a:rPr lang="ru-RU" dirty="0"/>
+            </a:br>
+            <a:r>
+              <a:rPr lang="en-US" dirty="0"/>
               <a:t>✉: </a:t>
             </a:r>
             <a:r>
               <a:rPr lang="en-US" dirty="0">
-                <a:hlinkClick r:id="rId3"/>
+                <a:hlinkClick r:id="rId4"/>
               </a:rPr>
               <a:t>daniil.merkulov@phystech.edu</a:t>
             </a:r>
@@ -4550,85 +4599,583 @@
             </a:br>
             <a:endParaRPr lang="en-US" dirty="0"/>
           </a:p>
-          <a:p>
-            <a:pPr>
+        </p:txBody>
+      </p:sp>
+      <p:sp>
+        <p:nvSpPr>
+          <p:cNvPr id="4" name="Content Placeholder 2">
+            <a:extLst>
+              <a:ext uri="{FF2B5EF4-FFF2-40B4-BE49-F238E27FC236}">
+                <a16:creationId xmlns:a16="http://schemas.microsoft.com/office/drawing/2014/main" id="{925C0A0A-C7FB-7F42-B2BB-6082FDE2A052}"/>
+              </a:ext>
+            </a:extLst>
+          </p:cNvPr>
+          <p:cNvSpPr txBox="1">
+            <a:spLocks/>
+          </p:cNvSpPr>
+          <p:nvPr/>
+        </p:nvSpPr>
+        <p:spPr>
+          <a:xfrm>
+            <a:off x="6104965" y="3429001"/>
+            <a:ext cx="5257800" cy="2747962"/>
+          </a:xfrm>
+          <a:prstGeom prst="rect">
+            <a:avLst/>
+          </a:prstGeom>
+        </p:spPr>
+        <p:txBody>
+          <a:bodyPr vert="horz" lIns="91440" tIns="45720" rIns="91440" bIns="45720" rtlCol="0">
+            <a:normAutofit/>
+          </a:bodyPr>
+          <a:lstStyle>
+            <a:lvl1pPr marL="228600" indent="-228600" algn="l" defTabSz="914400" rtl="0" eaLnBrk="1" latinLnBrk="0" hangingPunct="1">
               <a:lnSpc>
-                <a:spcPct val="110000"/>
+                <a:spcPct val="90000"/>
               </a:lnSpc>
+              <a:spcBef>
+                <a:spcPts val="1000"/>
+              </a:spcBef>
+              <a:buFont typeface="Arial" panose="020B0604020202020204" pitchFamily="34" charset="0"/>
+              <a:buChar char="•"/>
+              <a:defRPr sz="2800" kern="1200">
+                <a:solidFill>
+                  <a:schemeClr val="tx1"/>
+                </a:solidFill>
+                <a:latin typeface="Montserrat" panose="00000500000000000000" pitchFamily="2" charset="-52"/>
+                <a:ea typeface="+mn-ea"/>
+                <a:cs typeface="+mn-cs"/>
+              </a:defRPr>
+            </a:lvl1pPr>
+            <a:lvl2pPr marL="685800" indent="-228600" algn="l" defTabSz="914400" rtl="0" eaLnBrk="1" latinLnBrk="0" hangingPunct="1">
+              <a:lnSpc>
+                <a:spcPct val="90000"/>
+              </a:lnSpc>
+              <a:spcBef>
+                <a:spcPts val="500"/>
+              </a:spcBef>
+              <a:buFont typeface="Arial" panose="020B0604020202020204" pitchFamily="34" charset="0"/>
+              <a:buChar char="•"/>
+              <a:defRPr sz="2400" kern="1200">
+                <a:solidFill>
+                  <a:schemeClr val="tx1"/>
+                </a:solidFill>
+                <a:latin typeface="Montserrat" panose="00000500000000000000" pitchFamily="2" charset="-52"/>
+                <a:ea typeface="+mn-ea"/>
+                <a:cs typeface="+mn-cs"/>
+              </a:defRPr>
+            </a:lvl2pPr>
+            <a:lvl3pPr marL="1143000" indent="-228600" algn="l" defTabSz="914400" rtl="0" eaLnBrk="1" latinLnBrk="0" hangingPunct="1">
+              <a:lnSpc>
+                <a:spcPct val="90000"/>
+              </a:lnSpc>
+              <a:spcBef>
+                <a:spcPts val="500"/>
+              </a:spcBef>
+              <a:buFont typeface="Arial" panose="020B0604020202020204" pitchFamily="34" charset="0"/>
+              <a:buChar char="•"/>
+              <a:defRPr sz="2000" kern="1200">
+                <a:solidFill>
+                  <a:schemeClr val="tx1"/>
+                </a:solidFill>
+                <a:latin typeface="Montserrat" panose="00000500000000000000" pitchFamily="2" charset="-52"/>
+                <a:ea typeface="+mn-ea"/>
+                <a:cs typeface="+mn-cs"/>
+              </a:defRPr>
+            </a:lvl3pPr>
+            <a:lvl4pPr marL="1600200" indent="-228600" algn="l" defTabSz="914400" rtl="0" eaLnBrk="1" latinLnBrk="0" hangingPunct="1">
+              <a:lnSpc>
+                <a:spcPct val="90000"/>
+              </a:lnSpc>
+              <a:spcBef>
+                <a:spcPts val="500"/>
+              </a:spcBef>
+              <a:buFont typeface="Arial" panose="020B0604020202020204" pitchFamily="34" charset="0"/>
+              <a:buChar char="•"/>
+              <a:defRPr sz="1800" kern="1200">
+                <a:solidFill>
+                  <a:schemeClr val="tx1"/>
+                </a:solidFill>
+                <a:latin typeface="Montserrat" panose="00000500000000000000" pitchFamily="2" charset="-52"/>
+                <a:ea typeface="+mn-ea"/>
+                <a:cs typeface="+mn-cs"/>
+              </a:defRPr>
+            </a:lvl4pPr>
+            <a:lvl5pPr marL="2057400" indent="-228600" algn="l" defTabSz="914400" rtl="0" eaLnBrk="1" latinLnBrk="0" hangingPunct="1">
+              <a:lnSpc>
+                <a:spcPct val="90000"/>
+              </a:lnSpc>
+              <a:spcBef>
+                <a:spcPts val="500"/>
+              </a:spcBef>
+              <a:buFont typeface="Arial" panose="020B0604020202020204" pitchFamily="34" charset="0"/>
+              <a:buChar char="•"/>
+              <a:defRPr sz="1800" kern="1200">
+                <a:solidFill>
+                  <a:schemeClr val="tx1"/>
+                </a:solidFill>
+                <a:latin typeface="Montserrat" panose="00000500000000000000" pitchFamily="2" charset="-52"/>
+                <a:ea typeface="+mn-ea"/>
+                <a:cs typeface="+mn-cs"/>
+              </a:defRPr>
+            </a:lvl5pPr>
+            <a:lvl6pPr marL="2514600" indent="-228600" algn="l" defTabSz="914400" rtl="0" eaLnBrk="1" latinLnBrk="0" hangingPunct="1">
+              <a:lnSpc>
+                <a:spcPct val="90000"/>
+              </a:lnSpc>
+              <a:spcBef>
+                <a:spcPts val="500"/>
+              </a:spcBef>
+              <a:buFont typeface="Arial" panose="020B0604020202020204" pitchFamily="34" charset="0"/>
+              <a:buChar char="•"/>
+              <a:defRPr sz="1800" kern="1200">
+                <a:solidFill>
+                  <a:schemeClr val="tx1"/>
+                </a:solidFill>
+                <a:latin typeface="+mn-lt"/>
+                <a:ea typeface="+mn-ea"/>
+                <a:cs typeface="+mn-cs"/>
+              </a:defRPr>
+            </a:lvl6pPr>
+            <a:lvl7pPr marL="2971800" indent="-228600" algn="l" defTabSz="914400" rtl="0" eaLnBrk="1" latinLnBrk="0" hangingPunct="1">
+              <a:lnSpc>
+                <a:spcPct val="90000"/>
+              </a:lnSpc>
+              <a:spcBef>
+                <a:spcPts val="500"/>
+              </a:spcBef>
+              <a:buFont typeface="Arial" panose="020B0604020202020204" pitchFamily="34" charset="0"/>
+              <a:buChar char="•"/>
+              <a:defRPr sz="1800" kern="1200">
+                <a:solidFill>
+                  <a:schemeClr val="tx1"/>
+                </a:solidFill>
+                <a:latin typeface="+mn-lt"/>
+                <a:ea typeface="+mn-ea"/>
+                <a:cs typeface="+mn-cs"/>
+              </a:defRPr>
+            </a:lvl7pPr>
+            <a:lvl8pPr marL="3429000" indent="-228600" algn="l" defTabSz="914400" rtl="0" eaLnBrk="1" latinLnBrk="0" hangingPunct="1">
+              <a:lnSpc>
+                <a:spcPct val="90000"/>
+              </a:lnSpc>
+              <a:spcBef>
+                <a:spcPts val="500"/>
+              </a:spcBef>
+              <a:buFont typeface="Arial" panose="020B0604020202020204" pitchFamily="34" charset="0"/>
+              <a:buChar char="•"/>
+              <a:defRPr sz="1800" kern="1200">
+                <a:solidFill>
+                  <a:schemeClr val="tx1"/>
+                </a:solidFill>
+                <a:latin typeface="+mn-lt"/>
+                <a:ea typeface="+mn-ea"/>
+                <a:cs typeface="+mn-cs"/>
+              </a:defRPr>
+            </a:lvl8pPr>
+            <a:lvl9pPr marL="3886200" indent="-228600" algn="l" defTabSz="914400" rtl="0" eaLnBrk="1" latinLnBrk="0" hangingPunct="1">
+              <a:lnSpc>
+                <a:spcPct val="90000"/>
+              </a:lnSpc>
+              <a:spcBef>
+                <a:spcPts val="500"/>
+              </a:spcBef>
+              <a:buFont typeface="Arial" panose="020B0604020202020204" pitchFamily="34" charset="0"/>
+              <a:buChar char="•"/>
+              <a:defRPr sz="1800" kern="1200">
+                <a:solidFill>
+                  <a:schemeClr val="tx1"/>
+                </a:solidFill>
+                <a:latin typeface="+mn-lt"/>
+                <a:ea typeface="+mn-ea"/>
+                <a:cs typeface="+mn-cs"/>
+              </a:defRPr>
+            </a:lvl9pPr>
+          </a:lstStyle>
+          <a:p>
+            <a:pPr marL="0" lvl="0" indent="0" eaLnBrk="0" fontAlgn="base" hangingPunct="0">
+              <a:lnSpc>
+                <a:spcPct val="100000"/>
+              </a:lnSpc>
+              <a:spcBef>
+                <a:spcPct val="0"/>
+              </a:spcBef>
+              <a:spcAft>
+                <a:spcPct val="0"/>
+              </a:spcAft>
+              <a:buNone/>
             </a:pPr>
             <a:r>
-              <a:rPr lang="ru-RU" dirty="0"/>
-              <a:t>Куратор (</a:t>
-            </a:r>
-            <a:r>
-              <a:rPr lang="ru-RU" dirty="0" err="1"/>
-              <a:t>Сбер</a:t>
-            </a:r>
-            <a:r>
-              <a:rPr lang="ru-RU" dirty="0"/>
-              <a:t>) - Дарья Клименко</a:t>
+              <a:rPr lang="ru-RU" altLang="en-RU" sz="1800" dirty="0">
+                <a:latin typeface="Montserrat" pitchFamily="2" charset="77"/>
+              </a:rPr>
+              <a:t>Кураторы (МФТИ)</a:t>
             </a:r>
             <a:br>
-              <a:rPr lang="ru-RU" dirty="0"/>
+              <a:rPr lang="ru-RU" altLang="en-RU" sz="1800" dirty="0">
+                <a:latin typeface="Montserrat" pitchFamily="2" charset="77"/>
+              </a:rPr>
             </a:br>
             <a:br>
-              <a:rPr lang="ru-RU" dirty="0"/>
+              <a:rPr lang="ru-RU" altLang="en-RU" sz="1800" dirty="0">
+                <a:latin typeface="Montserrat" pitchFamily="2" charset="77"/>
+              </a:rPr>
             </a:br>
             <a:r>
-              <a:rPr lang="ru-RU" dirty="0"/>
+              <a:rPr lang="ru-RU" altLang="en-RU" sz="1800" dirty="0">
+                <a:latin typeface="Montserrat" pitchFamily="2" charset="77"/>
+              </a:rPr>
+              <a:t>Анастасия Иванова</a:t>
+            </a:r>
+            <a:br>
+              <a:rPr lang="ru-RU" altLang="en-RU" sz="1800" dirty="0">
+                <a:latin typeface="Montserrat" pitchFamily="2" charset="77"/>
+              </a:rPr>
+            </a:br>
+            <a:r>
+              <a:rPr lang="ru-RU" altLang="en-RU" sz="1800" dirty="0">
+                <a:latin typeface="Montserrat" pitchFamily="2" charset="77"/>
+              </a:rPr>
               <a:t>⚡: </a:t>
             </a:r>
             <a:r>
-              <a:rPr lang="en-US" dirty="0">
-                <a:hlinkClick r:id="rId4"/>
+              <a:rPr lang="en-US" altLang="en-RU" sz="1800" dirty="0">
+                <a:latin typeface="Montserrat" pitchFamily="2" charset="77"/>
+                <a:hlinkClick r:id="rId5"/>
+              </a:rPr>
+              <a:t>https://t.me/AnastasiaIvanovaMarketing</a:t>
+            </a:r>
+            <a:br>
+              <a:rPr lang="ru-RU" altLang="en-RU" sz="1800" dirty="0">
+                <a:latin typeface="Montserrat" pitchFamily="2" charset="77"/>
+              </a:rPr>
+            </a:br>
+            <a:br>
+              <a:rPr lang="ru-RU" altLang="en-RU" sz="1800" dirty="0">
+                <a:latin typeface="Montserrat" pitchFamily="2" charset="77"/>
+              </a:rPr>
+            </a:br>
+            <a:r>
+              <a:rPr lang="ru-RU" altLang="en-RU" sz="1800" dirty="0">
+                <a:latin typeface="Montserrat" pitchFamily="2" charset="77"/>
+              </a:rPr>
+              <a:t>Марина </a:t>
+            </a:r>
+            <a:r>
+              <a:rPr lang="ru-RU" altLang="en-RU" sz="1800" dirty="0" err="1">
+                <a:latin typeface="Montserrat" pitchFamily="2" charset="77"/>
+              </a:rPr>
+              <a:t>Курьян</a:t>
+            </a:r>
+            <a:br>
+              <a:rPr lang="ru-RU" altLang="en-RU" sz="1800" dirty="0">
+                <a:latin typeface="Montserrat" pitchFamily="2" charset="77"/>
+              </a:rPr>
+            </a:br>
+            <a:r>
+              <a:rPr lang="ru-RU" altLang="en-RU" sz="1800" dirty="0">
+                <a:latin typeface="Montserrat" pitchFamily="2" charset="77"/>
+              </a:rPr>
+              <a:t>⚡: </a:t>
+            </a:r>
+            <a:r>
+              <a:rPr lang="en-US" altLang="en-RU" sz="1800" dirty="0">
+                <a:latin typeface="Montserrat" pitchFamily="2" charset="77"/>
+                <a:hlinkClick r:id="rId6"/>
+              </a:rPr>
+              <a:t>https://t.me/marina_kurjan</a:t>
+            </a:r>
+            <a:endParaRPr lang="en-US" altLang="en-RU" sz="2000" dirty="0">
+              <a:latin typeface="Arial" panose="020B0604020202020204" pitchFamily="34" charset="0"/>
+            </a:endParaRPr>
+          </a:p>
+        </p:txBody>
+      </p:sp>
+      <p:sp>
+        <p:nvSpPr>
+          <p:cNvPr id="7" name="Content Placeholder 2">
+            <a:extLst>
+              <a:ext uri="{FF2B5EF4-FFF2-40B4-BE49-F238E27FC236}">
+                <a16:creationId xmlns:a16="http://schemas.microsoft.com/office/drawing/2014/main" id="{22771DB8-DEFE-624B-BAAE-87FBF99D5B1E}"/>
+              </a:ext>
+            </a:extLst>
+          </p:cNvPr>
+          <p:cNvSpPr txBox="1">
+            <a:spLocks/>
+          </p:cNvSpPr>
+          <p:nvPr/>
+        </p:nvSpPr>
+        <p:spPr>
+          <a:xfrm>
+            <a:off x="847165" y="3428999"/>
+            <a:ext cx="5257800" cy="2747962"/>
+          </a:xfrm>
+          <a:prstGeom prst="rect">
+            <a:avLst/>
+          </a:prstGeom>
+        </p:spPr>
+        <p:txBody>
+          <a:bodyPr vert="horz" lIns="91440" tIns="45720" rIns="91440" bIns="45720" rtlCol="0">
+            <a:normAutofit/>
+          </a:bodyPr>
+          <a:lstStyle>
+            <a:lvl1pPr marL="228600" indent="-228600" algn="l" defTabSz="914400" rtl="0" eaLnBrk="1" latinLnBrk="0" hangingPunct="1">
+              <a:lnSpc>
+                <a:spcPct val="90000"/>
+              </a:lnSpc>
+              <a:spcBef>
+                <a:spcPts val="1000"/>
+              </a:spcBef>
+              <a:buFont typeface="Arial" panose="020B0604020202020204" pitchFamily="34" charset="0"/>
+              <a:buChar char="•"/>
+              <a:defRPr sz="2800" kern="1200">
+                <a:solidFill>
+                  <a:schemeClr val="tx1"/>
+                </a:solidFill>
+                <a:latin typeface="Montserrat" panose="00000500000000000000" pitchFamily="2" charset="-52"/>
+                <a:ea typeface="+mn-ea"/>
+                <a:cs typeface="+mn-cs"/>
+              </a:defRPr>
+            </a:lvl1pPr>
+            <a:lvl2pPr marL="685800" indent="-228600" algn="l" defTabSz="914400" rtl="0" eaLnBrk="1" latinLnBrk="0" hangingPunct="1">
+              <a:lnSpc>
+                <a:spcPct val="90000"/>
+              </a:lnSpc>
+              <a:spcBef>
+                <a:spcPts val="500"/>
+              </a:spcBef>
+              <a:buFont typeface="Arial" panose="020B0604020202020204" pitchFamily="34" charset="0"/>
+              <a:buChar char="•"/>
+              <a:defRPr sz="2400" kern="1200">
+                <a:solidFill>
+                  <a:schemeClr val="tx1"/>
+                </a:solidFill>
+                <a:latin typeface="Montserrat" panose="00000500000000000000" pitchFamily="2" charset="-52"/>
+                <a:ea typeface="+mn-ea"/>
+                <a:cs typeface="+mn-cs"/>
+              </a:defRPr>
+            </a:lvl2pPr>
+            <a:lvl3pPr marL="1143000" indent="-228600" algn="l" defTabSz="914400" rtl="0" eaLnBrk="1" latinLnBrk="0" hangingPunct="1">
+              <a:lnSpc>
+                <a:spcPct val="90000"/>
+              </a:lnSpc>
+              <a:spcBef>
+                <a:spcPts val="500"/>
+              </a:spcBef>
+              <a:buFont typeface="Arial" panose="020B0604020202020204" pitchFamily="34" charset="0"/>
+              <a:buChar char="•"/>
+              <a:defRPr sz="2000" kern="1200">
+                <a:solidFill>
+                  <a:schemeClr val="tx1"/>
+                </a:solidFill>
+                <a:latin typeface="Montserrat" panose="00000500000000000000" pitchFamily="2" charset="-52"/>
+                <a:ea typeface="+mn-ea"/>
+                <a:cs typeface="+mn-cs"/>
+              </a:defRPr>
+            </a:lvl3pPr>
+            <a:lvl4pPr marL="1600200" indent="-228600" algn="l" defTabSz="914400" rtl="0" eaLnBrk="1" latinLnBrk="0" hangingPunct="1">
+              <a:lnSpc>
+                <a:spcPct val="90000"/>
+              </a:lnSpc>
+              <a:spcBef>
+                <a:spcPts val="500"/>
+              </a:spcBef>
+              <a:buFont typeface="Arial" panose="020B0604020202020204" pitchFamily="34" charset="0"/>
+              <a:buChar char="•"/>
+              <a:defRPr sz="1800" kern="1200">
+                <a:solidFill>
+                  <a:schemeClr val="tx1"/>
+                </a:solidFill>
+                <a:latin typeface="Montserrat" panose="00000500000000000000" pitchFamily="2" charset="-52"/>
+                <a:ea typeface="+mn-ea"/>
+                <a:cs typeface="+mn-cs"/>
+              </a:defRPr>
+            </a:lvl4pPr>
+            <a:lvl5pPr marL="2057400" indent="-228600" algn="l" defTabSz="914400" rtl="0" eaLnBrk="1" latinLnBrk="0" hangingPunct="1">
+              <a:lnSpc>
+                <a:spcPct val="90000"/>
+              </a:lnSpc>
+              <a:spcBef>
+                <a:spcPts val="500"/>
+              </a:spcBef>
+              <a:buFont typeface="Arial" panose="020B0604020202020204" pitchFamily="34" charset="0"/>
+              <a:buChar char="•"/>
+              <a:defRPr sz="1800" kern="1200">
+                <a:solidFill>
+                  <a:schemeClr val="tx1"/>
+                </a:solidFill>
+                <a:latin typeface="Montserrat" panose="00000500000000000000" pitchFamily="2" charset="-52"/>
+                <a:ea typeface="+mn-ea"/>
+                <a:cs typeface="+mn-cs"/>
+              </a:defRPr>
+            </a:lvl5pPr>
+            <a:lvl6pPr marL="2514600" indent="-228600" algn="l" defTabSz="914400" rtl="0" eaLnBrk="1" latinLnBrk="0" hangingPunct="1">
+              <a:lnSpc>
+                <a:spcPct val="90000"/>
+              </a:lnSpc>
+              <a:spcBef>
+                <a:spcPts val="500"/>
+              </a:spcBef>
+              <a:buFont typeface="Arial" panose="020B0604020202020204" pitchFamily="34" charset="0"/>
+              <a:buChar char="•"/>
+              <a:defRPr sz="1800" kern="1200">
+                <a:solidFill>
+                  <a:schemeClr val="tx1"/>
+                </a:solidFill>
+                <a:latin typeface="+mn-lt"/>
+                <a:ea typeface="+mn-ea"/>
+                <a:cs typeface="+mn-cs"/>
+              </a:defRPr>
+            </a:lvl6pPr>
+            <a:lvl7pPr marL="2971800" indent="-228600" algn="l" defTabSz="914400" rtl="0" eaLnBrk="1" latinLnBrk="0" hangingPunct="1">
+              <a:lnSpc>
+                <a:spcPct val="90000"/>
+              </a:lnSpc>
+              <a:spcBef>
+                <a:spcPts val="500"/>
+              </a:spcBef>
+              <a:buFont typeface="Arial" panose="020B0604020202020204" pitchFamily="34" charset="0"/>
+              <a:buChar char="•"/>
+              <a:defRPr sz="1800" kern="1200">
+                <a:solidFill>
+                  <a:schemeClr val="tx1"/>
+                </a:solidFill>
+                <a:latin typeface="+mn-lt"/>
+                <a:ea typeface="+mn-ea"/>
+                <a:cs typeface="+mn-cs"/>
+              </a:defRPr>
+            </a:lvl7pPr>
+            <a:lvl8pPr marL="3429000" indent="-228600" algn="l" defTabSz="914400" rtl="0" eaLnBrk="1" latinLnBrk="0" hangingPunct="1">
+              <a:lnSpc>
+                <a:spcPct val="90000"/>
+              </a:lnSpc>
+              <a:spcBef>
+                <a:spcPts val="500"/>
+              </a:spcBef>
+              <a:buFont typeface="Arial" panose="020B0604020202020204" pitchFamily="34" charset="0"/>
+              <a:buChar char="•"/>
+              <a:defRPr sz="1800" kern="1200">
+                <a:solidFill>
+                  <a:schemeClr val="tx1"/>
+                </a:solidFill>
+                <a:latin typeface="+mn-lt"/>
+                <a:ea typeface="+mn-ea"/>
+                <a:cs typeface="+mn-cs"/>
+              </a:defRPr>
+            </a:lvl8pPr>
+            <a:lvl9pPr marL="3886200" indent="-228600" algn="l" defTabSz="914400" rtl="0" eaLnBrk="1" latinLnBrk="0" hangingPunct="1">
+              <a:lnSpc>
+                <a:spcPct val="90000"/>
+              </a:lnSpc>
+              <a:spcBef>
+                <a:spcPts val="500"/>
+              </a:spcBef>
+              <a:buFont typeface="Arial" panose="020B0604020202020204" pitchFamily="34" charset="0"/>
+              <a:buChar char="•"/>
+              <a:defRPr sz="1800" kern="1200">
+                <a:solidFill>
+                  <a:schemeClr val="tx1"/>
+                </a:solidFill>
+                <a:latin typeface="+mn-lt"/>
+                <a:ea typeface="+mn-ea"/>
+                <a:cs typeface="+mn-cs"/>
+              </a:defRPr>
+            </a:lvl9pPr>
+          </a:lstStyle>
+          <a:p>
+            <a:pPr marL="0" lvl="0" indent="0" eaLnBrk="0" fontAlgn="base" hangingPunct="0">
+              <a:lnSpc>
+                <a:spcPct val="100000"/>
+              </a:lnSpc>
+              <a:spcBef>
+                <a:spcPct val="0"/>
+              </a:spcBef>
+              <a:spcAft>
+                <a:spcPct val="0"/>
+              </a:spcAft>
+              <a:buNone/>
+            </a:pPr>
+            <a:r>
+              <a:rPr lang="ru-RU" sz="1800" dirty="0"/>
+              <a:t>Куратор (</a:t>
+            </a:r>
+            <a:r>
+              <a:rPr lang="ru-RU" sz="1800" dirty="0" err="1"/>
+              <a:t>Сбер</a:t>
+            </a:r>
+            <a:r>
+              <a:rPr lang="ru-RU" sz="1800" dirty="0"/>
+              <a:t>) </a:t>
+            </a:r>
+          </a:p>
+          <a:p>
+            <a:pPr marL="0" lvl="0" indent="0" eaLnBrk="0" fontAlgn="base" hangingPunct="0">
+              <a:lnSpc>
+                <a:spcPct val="100000"/>
+              </a:lnSpc>
+              <a:spcBef>
+                <a:spcPct val="0"/>
+              </a:spcBef>
+              <a:spcAft>
+                <a:spcPct val="0"/>
+              </a:spcAft>
+              <a:buNone/>
+            </a:pPr>
+            <a:endParaRPr lang="ru-RU" sz="1800" dirty="0"/>
+          </a:p>
+          <a:p>
+            <a:pPr marL="0" lvl="0" indent="0" eaLnBrk="0" fontAlgn="base" hangingPunct="0">
+              <a:lnSpc>
+                <a:spcPct val="100000"/>
+              </a:lnSpc>
+              <a:spcBef>
+                <a:spcPct val="0"/>
+              </a:spcBef>
+              <a:spcAft>
+                <a:spcPct val="0"/>
+              </a:spcAft>
+              <a:buNone/>
+            </a:pPr>
+            <a:r>
+              <a:rPr lang="ru-RU" sz="1800" dirty="0"/>
+              <a:t>Дарья Клименко</a:t>
+            </a:r>
+            <a:br>
+              <a:rPr lang="ru-RU" sz="1800" dirty="0"/>
+            </a:br>
+            <a:br>
+              <a:rPr lang="ru-RU" sz="1800" dirty="0"/>
+            </a:br>
+            <a:r>
+              <a:rPr lang="ru-RU" sz="1800" dirty="0"/>
+              <a:t>⚡: </a:t>
+            </a:r>
+            <a:r>
+              <a:rPr lang="en-GB" sz="1800" dirty="0">
+                <a:hlinkClick r:id="rId7"/>
               </a:rPr>
               <a:t>https://t.me/DAKlimenko</a:t>
             </a:r>
             <a:br>
-              <a:rPr lang="ru-RU" dirty="0"/>
+              <a:rPr lang="en-GB" sz="1800" dirty="0"/>
             </a:br>
             <a:r>
-              <a:rPr lang="en-US" dirty="0"/>
+              <a:rPr lang="en-GB" sz="1800" dirty="0"/>
               <a:t>✉: </a:t>
             </a:r>
             <a:r>
-              <a:rPr lang="en-US" dirty="0">
-                <a:hlinkClick r:id="rId5"/>
+              <a:rPr lang="en-GB" sz="1800" dirty="0">
+                <a:hlinkClick r:id="rId8"/>
               </a:rPr>
               <a:t>danklimenko@sberbank.ru</a:t>
             </a:r>
-            <a:br>
-              <a:rPr lang="ru-RU" dirty="0"/>
-            </a:br>
-            <a:endParaRPr lang="en-US" dirty="0"/>
-          </a:p>
-          <a:p>
-            <a:pPr>
-              <a:lnSpc>
-                <a:spcPct val="110000"/>
-              </a:lnSpc>
-            </a:pPr>
-            <a:r>
-              <a:rPr lang="ru-RU" dirty="0"/>
-              <a:t>Куратор (МФТИ) - Анастасия Иванова</a:t>
-            </a:r>
-            <a:br>
-              <a:rPr lang="ru-RU" dirty="0"/>
-            </a:br>
-            <a:br>
-              <a:rPr lang="ru-RU" dirty="0"/>
-            </a:br>
-            <a:r>
-              <a:rPr lang="ru-RU" dirty="0"/>
-              <a:t>⚡: </a:t>
-            </a:r>
-            <a:r>
-              <a:rPr lang="en-US" dirty="0">
-                <a:hlinkClick r:id="rId6"/>
-              </a:rPr>
-              <a:t>https://t.me/AnastasiaIvanovaMarketing</a:t>
-            </a:r>
-            <a:endParaRPr lang="en-US" dirty="0"/>
+            <a:r>
+              <a:rPr lang="en-GB" sz="1800" dirty="0"/>
+              <a:t> </a:t>
+            </a:r>
+            <a:endParaRPr lang="en-US" altLang="en-RU" sz="1800" dirty="0">
+              <a:latin typeface="Arial" panose="020B0604020202020204" pitchFamily="34" charset="0"/>
+            </a:endParaRPr>
           </a:p>
         </p:txBody>
       </p:sp>
